--- a/sprint 1 ppt.pptx
+++ b/sprint 1 ppt.pptx
@@ -312,7 +312,7 @@
           <a:p>
             <a:fld id="{DA03E456-E37F-498A-BD11-313D250015E9}" type="datetimeFigureOut">
               <a:rPr lang="en-IN" smtClean="0"/>
-              <a:t>24-08-2022</a:t>
+              <a:t>29-08-2022</a:t>
             </a:fld>
             <a:endParaRPr lang="en-IN"/>
           </a:p>
@@ -477,7 +477,7 @@
           <a:p>
             <a:fld id="{DA03E456-E37F-498A-BD11-313D250015E9}" type="datetimeFigureOut">
               <a:rPr lang="en-IN" smtClean="0"/>
-              <a:t>24-08-2022</a:t>
+              <a:t>29-08-2022</a:t>
             </a:fld>
             <a:endParaRPr lang="en-IN"/>
           </a:p>
@@ -652,7 +652,7 @@
           <a:p>
             <a:fld id="{DA03E456-E37F-498A-BD11-313D250015E9}" type="datetimeFigureOut">
               <a:rPr lang="en-IN" smtClean="0"/>
-              <a:t>24-08-2022</a:t>
+              <a:t>29-08-2022</a:t>
             </a:fld>
             <a:endParaRPr lang="en-IN"/>
           </a:p>
@@ -817,7 +817,7 @@
           <a:p>
             <a:fld id="{DA03E456-E37F-498A-BD11-313D250015E9}" type="datetimeFigureOut">
               <a:rPr lang="en-IN" smtClean="0"/>
-              <a:t>24-08-2022</a:t>
+              <a:t>29-08-2022</a:t>
             </a:fld>
             <a:endParaRPr lang="en-IN"/>
           </a:p>
@@ -1058,7 +1058,7 @@
           <a:p>
             <a:fld id="{DA03E456-E37F-498A-BD11-313D250015E9}" type="datetimeFigureOut">
               <a:rPr lang="en-IN" smtClean="0"/>
-              <a:t>24-08-2022</a:t>
+              <a:t>29-08-2022</a:t>
             </a:fld>
             <a:endParaRPr lang="en-IN"/>
           </a:p>
@@ -1341,7 +1341,7 @@
           <a:p>
             <a:fld id="{DA03E456-E37F-498A-BD11-313D250015E9}" type="datetimeFigureOut">
               <a:rPr lang="en-IN" smtClean="0"/>
-              <a:t>24-08-2022</a:t>
+              <a:t>29-08-2022</a:t>
             </a:fld>
             <a:endParaRPr lang="en-IN"/>
           </a:p>
@@ -1770,7 +1770,7 @@
           <a:p>
             <a:fld id="{DA03E456-E37F-498A-BD11-313D250015E9}" type="datetimeFigureOut">
               <a:rPr lang="en-IN" smtClean="0"/>
-              <a:t>24-08-2022</a:t>
+              <a:t>29-08-2022</a:t>
             </a:fld>
             <a:endParaRPr lang="en-IN"/>
           </a:p>
@@ -1883,7 +1883,7 @@
           <a:p>
             <a:fld id="{DA03E456-E37F-498A-BD11-313D250015E9}" type="datetimeFigureOut">
               <a:rPr lang="en-IN" smtClean="0"/>
-              <a:t>24-08-2022</a:t>
+              <a:t>29-08-2022</a:t>
             </a:fld>
             <a:endParaRPr lang="en-IN"/>
           </a:p>
@@ -1973,7 +1973,7 @@
           <a:p>
             <a:fld id="{DA03E456-E37F-498A-BD11-313D250015E9}" type="datetimeFigureOut">
               <a:rPr lang="en-IN" smtClean="0"/>
-              <a:t>24-08-2022</a:t>
+              <a:t>29-08-2022</a:t>
             </a:fld>
             <a:endParaRPr lang="en-IN"/>
           </a:p>
@@ -2162,7 +2162,7 @@
           <a:p>
             <a:fld id="{DA03E456-E37F-498A-BD11-313D250015E9}" type="datetimeFigureOut">
               <a:rPr lang="en-IN" smtClean="0"/>
-              <a:t>24-08-2022</a:t>
+              <a:t>29-08-2022</a:t>
             </a:fld>
             <a:endParaRPr lang="en-IN"/>
           </a:p>
@@ -2480,7 +2480,7 @@
           <a:p>
             <a:fld id="{DA03E456-E37F-498A-BD11-313D250015E9}" type="datetimeFigureOut">
               <a:rPr lang="en-IN" smtClean="0"/>
-              <a:t>24-08-2022</a:t>
+              <a:t>29-08-2022</a:t>
             </a:fld>
             <a:endParaRPr lang="en-IN"/>
           </a:p>
@@ -2859,7 +2859,7 @@
           <a:p>
             <a:fld id="{DA03E456-E37F-498A-BD11-313D250015E9}" type="datetimeFigureOut">
               <a:rPr lang="en-IN" smtClean="0"/>
-              <a:t>24-08-2022</a:t>
+              <a:t>29-08-2022</a:t>
             </a:fld>
             <a:endParaRPr lang="en-IN"/>
           </a:p>
@@ -3691,10 +3691,108 @@
               <a:t> 19 all the offline shopping stopped. So, the store wants to move to the cloud platforms and wants their own web application</a:t>
             </a:r>
             <a:r>
-              <a:rPr lang="en-US" sz="2800" dirty="0"/>
+              <a:rPr lang="en-US" sz="2800" dirty="0" smtClean="0"/>
               <a:t>.</a:t>
             </a:r>
+          </a:p>
+          <a:p>
+            <a:pPr marL="114300" indent="0">
+              <a:buNone/>
+            </a:pPr>
+            <a:endParaRPr lang="en-US" sz="2800" dirty="0" smtClean="0"/>
+          </a:p>
+          <a:p>
+            <a:pPr marL="114300" indent="0">
+              <a:buNone/>
+            </a:pPr>
+            <a:r>
+              <a:rPr lang="en-IN" b="1" dirty="0"/>
+              <a:t>CONTRIBUTION TO PROJECT :</a:t>
+            </a:r>
+          </a:p>
+          <a:p>
+            <a:pPr marL="457200" indent="-457200">
+              <a:buAutoNum type="arabicParenR"/>
+            </a:pPr>
+            <a:r>
+              <a:rPr lang="en-IN" dirty="0"/>
+              <a:t>Raavi Raja – worked on Frontend development</a:t>
+            </a:r>
+          </a:p>
+          <a:p>
+            <a:pPr marL="457200" indent="-457200">
+              <a:buFont typeface="Arial" pitchFamily="34" charset="0"/>
+              <a:buAutoNum type="arabicParenR"/>
+            </a:pPr>
+            <a:r>
+              <a:rPr lang="en-IN" dirty="0"/>
+              <a:t>Varanasi </a:t>
+            </a:r>
+            <a:r>
+              <a:rPr lang="en-IN" dirty="0" err="1"/>
+              <a:t>Madhuri</a:t>
+            </a:r>
+            <a:r>
+              <a:rPr lang="en-IN" dirty="0"/>
+              <a:t> – worked on Frontend development</a:t>
+            </a:r>
+          </a:p>
+          <a:p>
+            <a:pPr marL="457200" indent="-457200">
+              <a:buFont typeface="Arial" pitchFamily="34" charset="0"/>
+              <a:buAutoNum type="arabicParenR"/>
+            </a:pPr>
+            <a:r>
+              <a:rPr lang="en-IN" dirty="0" err="1"/>
+              <a:t>Addulamala</a:t>
+            </a:r>
+            <a:r>
+              <a:rPr lang="en-IN" dirty="0"/>
+              <a:t> </a:t>
+            </a:r>
+            <a:r>
+              <a:rPr lang="en-IN" dirty="0" err="1"/>
+              <a:t>Madhuri</a:t>
+            </a:r>
+            <a:r>
+              <a:rPr lang="en-IN" dirty="0"/>
+              <a:t> - worked on Backend development</a:t>
+            </a:r>
+          </a:p>
+          <a:p>
+            <a:pPr marL="457200" indent="-457200">
+              <a:buFont typeface="Arial" pitchFamily="34" charset="0"/>
+              <a:buAutoNum type="arabicParenR"/>
+            </a:pPr>
+            <a:r>
+              <a:rPr lang="en-IN" dirty="0" err="1"/>
+              <a:t>Mohanachary</a:t>
+            </a:r>
+            <a:r>
+              <a:rPr lang="en-IN" dirty="0"/>
+              <a:t> </a:t>
+            </a:r>
+            <a:r>
+              <a:rPr lang="en-IN" dirty="0" err="1"/>
+              <a:t>Nandini</a:t>
+            </a:r>
+            <a:r>
+              <a:rPr lang="en-IN" dirty="0"/>
+              <a:t> - worked on Backend development</a:t>
+            </a:r>
+          </a:p>
+          <a:p>
+            <a:pPr marL="457200" indent="-457200">
+              <a:buFont typeface="Arial" pitchFamily="34" charset="0"/>
+              <a:buAutoNum type="arabicParenR"/>
+            </a:pPr>
             <a:endParaRPr lang="en-IN" sz="2800" dirty="0"/>
+          </a:p>
+          <a:p>
+            <a:pPr marL="114300" indent="0">
+              <a:buNone/>
+            </a:pPr>
+            <a:endParaRPr lang="en-US" sz="2800" dirty="0"/>
           </a:p>
         </p:txBody>
       </p:sp>
@@ -3775,7 +3873,11 @@
             </a:pPr>
             <a:r>
               <a:rPr lang="en-IN" dirty="0" smtClean="0"/>
-              <a:t>1) FRONTEND :</a:t>
+              <a:t>1) </a:t>
+            </a:r>
+            <a:r>
+              <a:rPr lang="en-IN" b="1" dirty="0" smtClean="0"/>
+              <a:t>FRONTEND :</a:t>
             </a:r>
           </a:p>
           <a:p>
@@ -3814,7 +3916,11 @@
             </a:pPr>
             <a:r>
               <a:rPr lang="en-IN" dirty="0" smtClean="0"/>
-              <a:t>2) BACKEND :</a:t>
+              <a:t>2) </a:t>
+            </a:r>
+            <a:r>
+              <a:rPr lang="en-IN" b="1" dirty="0" smtClean="0"/>
+              <a:t>BACKEND :</a:t>
             </a:r>
           </a:p>
           <a:p>
